--- a/lens_updates_sep_15.pptx
+++ b/lens_updates_sep_15.pptx
@@ -5,7 +5,7 @@
     <p:sldMasterId id="2147483648" r:id="rId1"/>
   </p:sldMasterIdLst>
   <p:notesMasterIdLst>
-    <p:notesMasterId r:id="rId9"/>
+    <p:notesMasterId r:id="rId10"/>
   </p:notesMasterIdLst>
   <p:sldIdLst>
     <p:sldId id="256" r:id="rId2"/>
@@ -14,7 +14,8 @@
     <p:sldId id="267" r:id="rId5"/>
     <p:sldId id="258" r:id="rId6"/>
     <p:sldId id="259" r:id="rId7"/>
-    <p:sldId id="260" r:id="rId8"/>
+    <p:sldId id="268" r:id="rId8"/>
+    <p:sldId id="260" r:id="rId9"/>
   </p:sldIdLst>
   <p:sldSz cx="12192000" cy="6858000"/>
   <p:notesSz cx="6858000" cy="9144000"/>
@@ -5323,50 +5324,31 @@
       </p:sp>
       <p:sp>
         <p:nvSpPr>
-          <p:cNvPr id="8" name="TextBox 7">
-            <a:extLst>
-              <a:ext uri="{FF2B5EF4-FFF2-40B4-BE49-F238E27FC236}">
-                <a16:creationId xmlns:a16="http://schemas.microsoft.com/office/drawing/2014/main" id="{F3782FA0-0C4A-F144-9106-57A10635A0BF}"/>
-              </a:ext>
-            </a:extLst>
-          </p:cNvPr>
-          <p:cNvSpPr txBox="1"/>
-          <p:nvPr/>
-        </p:nvSpPr>
-        <p:spPr>
-          <a:xfrm>
-            <a:off x="8273142" y="1371373"/>
-            <a:ext cx="3799115" cy="954107"/>
-          </a:xfrm>
-          <a:prstGeom prst="rect">
-            <a:avLst/>
-          </a:prstGeom>
-          <a:noFill/>
-        </p:spPr>
-        <p:txBody>
-          <a:bodyPr wrap="square" rtlCol="0">
-            <a:spAutoFit/>
-          </a:bodyPr>
-          <a:lstStyle/>
-          <a:p>
-            <a:pPr marL="285750" indent="-285750">
-              <a:buFont typeface="Arial" panose="020B0604020202020204" pitchFamily="34" charset="0"/>
-              <a:buChar char="•"/>
-            </a:pPr>
-            <a:r>
-              <a:rPr lang="en-US" sz="2800" dirty="0"/>
-              <a:t>Lorem ipsum</a:t>
-            </a:r>
-          </a:p>
-          <a:p>
-            <a:pPr marL="285750" indent="-285750">
-              <a:buFont typeface="Arial" panose="020B0604020202020204" pitchFamily="34" charset="0"/>
-              <a:buChar char="•"/>
-            </a:pPr>
-            <a:r>
-              <a:rPr lang="en-US" sz="2800" dirty="0"/>
-              <a:t>Lorem ipsum</a:t>
-            </a:r>
+          <p:cNvPr id="5" name="Content Placeholder 2">
+            <a:extLst>
+              <a:ext uri="{FF2B5EF4-FFF2-40B4-BE49-F238E27FC236}">
+                <a16:creationId xmlns:a16="http://schemas.microsoft.com/office/drawing/2014/main" id="{A4B903C6-3EC5-B04A-A0CF-3FCE4DE2CF00}"/>
+              </a:ext>
+            </a:extLst>
+          </p:cNvPr>
+          <p:cNvSpPr>
+            <a:spLocks noGrp="1"/>
+          </p:cNvSpPr>
+          <p:nvPr>
+            <p:ph idx="1"/>
+          </p:nvPr>
+        </p:nvSpPr>
+        <p:spPr>
+          <a:xfrm>
+            <a:off x="838200" y="1825625"/>
+            <a:ext cx="10515600" cy="4351338"/>
+          </a:xfrm>
+        </p:spPr>
+        <p:txBody>
+          <a:bodyPr/>
+          <a:lstStyle/>
+          <a:p>
+            <a:endParaRPr lang="en-US" dirty="0"/>
           </a:p>
         </p:txBody>
       </p:sp>
@@ -5422,12 +5404,8 @@
           <a:lstStyle/>
           <a:p>
             <a:r>
-              <a:rPr lang="en-US" dirty="0" err="1"/>
-              <a:t>Slowable</a:t>
-            </a:r>
-            <a:r>
               <a:rPr lang="en-US" dirty="0"/>
-              <a:t> Molecules</a:t>
+              <a:t>Capturable Molecules</a:t>
             </a:r>
           </a:p>
         </p:txBody>
@@ -5453,7 +5431,7 @@
           <a:bodyPr/>
           <a:lstStyle/>
           <a:p>
-            <a:endParaRPr lang="en-US"/>
+            <a:endParaRPr lang="en-US" dirty="0"/>
           </a:p>
         </p:txBody>
       </p:sp>
@@ -5510,7 +5488,7 @@
           <a:p>
             <a:r>
               <a:rPr lang="en-US" dirty="0"/>
-              <a:t>Axial Length Scan</a:t>
+              <a:t>Varying Lens Axial Length</a:t>
             </a:r>
           </a:p>
         </p:txBody>
@@ -5600,18 +5578,117 @@
       </p:sp>
       <p:sp>
         <p:nvSpPr>
-          <p:cNvPr id="3" name="Content Placeholder 2">
-            <a:extLst>
-              <a:ext uri="{FF2B5EF4-FFF2-40B4-BE49-F238E27FC236}">
-                <a16:creationId xmlns:a16="http://schemas.microsoft.com/office/drawing/2014/main" id="{90172C35-0681-A441-8817-7DF3C14C1F95}"/>
-              </a:ext>
-            </a:extLst>
-          </p:cNvPr>
-          <p:cNvSpPr>
-            <a:spLocks noGrp="1"/>
-          </p:cNvSpPr>
-          <p:nvPr>
-            <p:ph idx="1"/>
+          <p:cNvPr id="6" name="TextBox 5">
+            <a:extLst>
+              <a:ext uri="{FF2B5EF4-FFF2-40B4-BE49-F238E27FC236}">
+                <a16:creationId xmlns:a16="http://schemas.microsoft.com/office/drawing/2014/main" id="{ECC8F855-6A0A-5C4E-B2B6-ED6ABF85AC85}"/>
+              </a:ext>
+            </a:extLst>
+          </p:cNvPr>
+          <p:cNvSpPr txBox="1"/>
+          <p:nvPr/>
+        </p:nvSpPr>
+        <p:spPr>
+          <a:xfrm>
+            <a:off x="319769" y="1542725"/>
+            <a:ext cx="3280682" cy="3108543"/>
+          </a:xfrm>
+          <a:prstGeom prst="rect">
+            <a:avLst/>
+          </a:prstGeom>
+          <a:noFill/>
+        </p:spPr>
+        <p:txBody>
+          <a:bodyPr wrap="square" rtlCol="0">
+            <a:spAutoFit/>
+          </a:bodyPr>
+          <a:lstStyle/>
+          <a:p>
+            <a:pPr marL="285750" indent="-285750">
+              <a:buFont typeface="Arial" panose="020B0604020202020204" pitchFamily="34" charset="0"/>
+              <a:buChar char="•"/>
+            </a:pPr>
+            <a:r>
+              <a:rPr lang="en-US" sz="2800" dirty="0"/>
+              <a:t>See evidence of turning inwards; the trajectories actually reverse direction in the magnet and are funneled inwards</a:t>
+            </a:r>
+          </a:p>
+        </p:txBody>
+      </p:sp>
+      <p:pic>
+        <p:nvPicPr>
+          <p:cNvPr id="7" name="Picture 6" descr="A close up of a map&#10;&#10;Description automatically generated">
+            <a:extLst>
+              <a:ext uri="{FF2B5EF4-FFF2-40B4-BE49-F238E27FC236}">
+                <a16:creationId xmlns:a16="http://schemas.microsoft.com/office/drawing/2014/main" id="{02BAEFCA-F620-EF40-8DED-F57A69A90607}"/>
+              </a:ext>
+            </a:extLst>
+          </p:cNvPr>
+          <p:cNvPicPr>
+            <a:picLocks noChangeAspect="1"/>
+          </p:cNvPicPr>
+          <p:nvPr/>
+        </p:nvPicPr>
+        <p:blipFill>
+          <a:blip r:embed="rId2"/>
+          <a:stretch>
+            <a:fillRect/>
+          </a:stretch>
+        </p:blipFill>
+        <p:spPr>
+          <a:xfrm>
+            <a:off x="3600451" y="1362473"/>
+            <a:ext cx="7011987" cy="5258990"/>
+          </a:xfrm>
+          <a:prstGeom prst="rect">
+            <a:avLst/>
+          </a:prstGeom>
+        </p:spPr>
+      </p:pic>
+    </p:spTree>
+    <p:extLst>
+      <p:ext uri="{BB962C8B-B14F-4D97-AF65-F5344CB8AC3E}">
+        <p14:creationId xmlns:p14="http://schemas.microsoft.com/office/powerpoint/2010/main" val="1920144063"/>
+      </p:ext>
+    </p:extLst>
+  </p:cSld>
+  <p:clrMapOvr>
+    <a:masterClrMapping/>
+  </p:clrMapOvr>
+</p:sld>
+</file>
+
+<file path=ppt/slides/slide8.xml><?xml version="1.0" encoding="utf-8"?>
+<p:sld xmlns:a="http://schemas.openxmlformats.org/drawingml/2006/main" xmlns:r="http://schemas.openxmlformats.org/officeDocument/2006/relationships" xmlns:p="http://schemas.openxmlformats.org/presentationml/2006/main">
+  <p:cSld>
+    <p:spTree>
+      <p:nvGrpSpPr>
+        <p:cNvPr id="1" name=""/>
+        <p:cNvGrpSpPr/>
+        <p:nvPr/>
+      </p:nvGrpSpPr>
+      <p:grpSpPr>
+        <a:xfrm>
+          <a:off x="0" y="0"/>
+          <a:ext cx="0" cy="0"/>
+          <a:chOff x="0" y="0"/>
+          <a:chExt cx="0" cy="0"/>
+        </a:xfrm>
+      </p:grpSpPr>
+      <p:sp>
+        <p:nvSpPr>
+          <p:cNvPr id="2" name="Title 1">
+            <a:extLst>
+              <a:ext uri="{FF2B5EF4-FFF2-40B4-BE49-F238E27FC236}">
+                <a16:creationId xmlns:a16="http://schemas.microsoft.com/office/drawing/2014/main" id="{7C9F8FC8-3A34-AC45-AE8F-DE884FD8A3B3}"/>
+              </a:ext>
+            </a:extLst>
+          </p:cNvPr>
+          <p:cNvSpPr>
+            <a:spLocks noGrp="1"/>
+          </p:cNvSpPr>
+          <p:nvPr>
+            <p:ph type="title"/>
           </p:nvPr>
         </p:nvSpPr>
         <p:spPr/>
@@ -5619,7 +5696,89 @@
           <a:bodyPr/>
           <a:lstStyle/>
           <a:p>
-            <a:endParaRPr lang="en-US"/>
+            <a:r>
+              <a:rPr lang="en-US" dirty="0"/>
+              <a:t>Laser Slowing: Preliminary Results</a:t>
+            </a:r>
+          </a:p>
+        </p:txBody>
+      </p:sp>
+      <p:pic>
+        <p:nvPicPr>
+          <p:cNvPr id="5" name="Picture 4">
+            <a:extLst>
+              <a:ext uri="{FF2B5EF4-FFF2-40B4-BE49-F238E27FC236}">
+                <a16:creationId xmlns:a16="http://schemas.microsoft.com/office/drawing/2014/main" id="{0B4D99B2-8734-1041-B936-A2BF16C85CE5}"/>
+              </a:ext>
+            </a:extLst>
+          </p:cNvPr>
+          <p:cNvPicPr>
+            <a:picLocks noChangeAspect="1"/>
+          </p:cNvPicPr>
+          <p:nvPr/>
+        </p:nvPicPr>
+        <p:blipFill>
+          <a:blip r:embed="rId2"/>
+          <a:stretch>
+            <a:fillRect/>
+          </a:stretch>
+        </p:blipFill>
+        <p:spPr>
+          <a:xfrm>
+            <a:off x="3600450" y="1424668"/>
+            <a:ext cx="7753350" cy="5068207"/>
+          </a:xfrm>
+          <a:prstGeom prst="rect">
+            <a:avLst/>
+          </a:prstGeom>
+        </p:spPr>
+      </p:pic>
+      <p:sp>
+        <p:nvSpPr>
+          <p:cNvPr id="6" name="TextBox 5">
+            <a:extLst>
+              <a:ext uri="{FF2B5EF4-FFF2-40B4-BE49-F238E27FC236}">
+                <a16:creationId xmlns:a16="http://schemas.microsoft.com/office/drawing/2014/main" id="{ECC8F855-6A0A-5C4E-B2B6-ED6ABF85AC85}"/>
+              </a:ext>
+            </a:extLst>
+          </p:cNvPr>
+          <p:cNvSpPr txBox="1"/>
+          <p:nvPr/>
+        </p:nvSpPr>
+        <p:spPr>
+          <a:xfrm>
+            <a:off x="319769" y="1542725"/>
+            <a:ext cx="3280682" cy="4832092"/>
+          </a:xfrm>
+          <a:prstGeom prst="rect">
+            <a:avLst/>
+          </a:prstGeom>
+          <a:noFill/>
+        </p:spPr>
+        <p:txBody>
+          <a:bodyPr wrap="square" rtlCol="0">
+            <a:spAutoFit/>
+          </a:bodyPr>
+          <a:lstStyle/>
+          <a:p>
+            <a:pPr marL="285750" indent="-285750">
+              <a:buFont typeface="Arial" panose="020B0604020202020204" pitchFamily="34" charset="0"/>
+              <a:buChar char="•"/>
+            </a:pPr>
+            <a:r>
+              <a:rPr lang="en-US" sz="2800" dirty="0"/>
+              <a:t>Number enhancement is maximized when laser slowing with a lens placement slightly further</a:t>
+            </a:r>
+          </a:p>
+          <a:p>
+            <a:pPr marL="285750" indent="-285750">
+              <a:buFont typeface="Arial" panose="020B0604020202020204" pitchFamily="34" charset="0"/>
+              <a:buChar char="•"/>
+            </a:pPr>
+            <a:r>
+              <a:rPr lang="en-US" sz="2800" dirty="0"/>
+              <a:t>Preliminary; ran with only 1e2 molecules, no spatial distribution (runtime)</a:t>
+            </a:r>
           </a:p>
         </p:txBody>
       </p:sp>

--- a/lens_updates_sep_15.pptx
+++ b/lens_updates_sep_15.pptx
@@ -5,17 +5,19 @@
     <p:sldMasterId id="2147483648" r:id="rId1"/>
   </p:sldMasterIdLst>
   <p:notesMasterIdLst>
-    <p:notesMasterId r:id="rId10"/>
+    <p:notesMasterId r:id="rId12"/>
   </p:notesMasterIdLst>
   <p:sldIdLst>
     <p:sldId id="256" r:id="rId2"/>
     <p:sldId id="266" r:id="rId3"/>
-    <p:sldId id="257" r:id="rId4"/>
-    <p:sldId id="267" r:id="rId5"/>
-    <p:sldId id="258" r:id="rId6"/>
-    <p:sldId id="259" r:id="rId7"/>
-    <p:sldId id="268" r:id="rId8"/>
-    <p:sldId id="260" r:id="rId9"/>
+    <p:sldId id="267" r:id="rId4"/>
+    <p:sldId id="269" r:id="rId5"/>
+    <p:sldId id="270" r:id="rId6"/>
+    <p:sldId id="257" r:id="rId7"/>
+    <p:sldId id="258" r:id="rId8"/>
+    <p:sldId id="268" r:id="rId9"/>
+    <p:sldId id="260" r:id="rId10"/>
+    <p:sldId id="259" r:id="rId11"/>
   </p:sldIdLst>
   <p:sldSz cx="12192000" cy="6858000"/>
   <p:notesSz cx="6858000" cy="9144000"/>
@@ -114,6 +116,11 @@
       </a:defRPr>
     </a:lvl9pPr>
   </p:defaultTextStyle>
+  <p:extLst>
+    <p:ext uri="{EFAFB233-063F-42B5-8137-9DF3F51BA10A}">
+      <p15:sldGuideLst xmlns:p15="http://schemas.microsoft.com/office/powerpoint/2012/main"/>
+    </p:ext>
+  </p:extLst>
 </p:presentation>
 </file>
 
@@ -199,7 +206,7 @@
           <a:p>
             <a:fld id="{26309907-CD6D-E349-9FA0-B81DDD65B089}" type="datetimeFigureOut">
               <a:rPr lang="en-US" smtClean="0"/>
-              <a:t>9/15/20</a:t>
+              <a:t>9/19/20</a:t>
             </a:fld>
             <a:endParaRPr lang="en-US"/>
           </a:p>
@@ -697,7 +704,7 @@
           <a:p>
             <a:fld id="{415B9230-DE53-6948-AF76-4F549B40B5AC}" type="datetimeFigureOut">
               <a:rPr lang="en-US" smtClean="0"/>
-              <a:t>9/15/20</a:t>
+              <a:t>9/19/20</a:t>
             </a:fld>
             <a:endParaRPr lang="en-US"/>
           </a:p>
@@ -895,7 +902,7 @@
           <a:p>
             <a:fld id="{415B9230-DE53-6948-AF76-4F549B40B5AC}" type="datetimeFigureOut">
               <a:rPr lang="en-US" smtClean="0"/>
-              <a:t>9/15/20</a:t>
+              <a:t>9/19/20</a:t>
             </a:fld>
             <a:endParaRPr lang="en-US"/>
           </a:p>
@@ -1103,7 +1110,7 @@
           <a:p>
             <a:fld id="{415B9230-DE53-6948-AF76-4F549B40B5AC}" type="datetimeFigureOut">
               <a:rPr lang="en-US" smtClean="0"/>
-              <a:t>9/15/20</a:t>
+              <a:t>9/19/20</a:t>
             </a:fld>
             <a:endParaRPr lang="en-US"/>
           </a:p>
@@ -1301,7 +1308,7 @@
           <a:p>
             <a:fld id="{415B9230-DE53-6948-AF76-4F549B40B5AC}" type="datetimeFigureOut">
               <a:rPr lang="en-US" smtClean="0"/>
-              <a:t>9/15/20</a:t>
+              <a:t>9/19/20</a:t>
             </a:fld>
             <a:endParaRPr lang="en-US"/>
           </a:p>
@@ -1576,7 +1583,7 @@
           <a:p>
             <a:fld id="{415B9230-DE53-6948-AF76-4F549B40B5AC}" type="datetimeFigureOut">
               <a:rPr lang="en-US" smtClean="0"/>
-              <a:t>9/15/20</a:t>
+              <a:t>9/19/20</a:t>
             </a:fld>
             <a:endParaRPr lang="en-US"/>
           </a:p>
@@ -1841,7 +1848,7 @@
           <a:p>
             <a:fld id="{415B9230-DE53-6948-AF76-4F549B40B5AC}" type="datetimeFigureOut">
               <a:rPr lang="en-US" smtClean="0"/>
-              <a:t>9/15/20</a:t>
+              <a:t>9/19/20</a:t>
             </a:fld>
             <a:endParaRPr lang="en-US"/>
           </a:p>
@@ -2253,7 +2260,7 @@
           <a:p>
             <a:fld id="{415B9230-DE53-6948-AF76-4F549B40B5AC}" type="datetimeFigureOut">
               <a:rPr lang="en-US" smtClean="0"/>
-              <a:t>9/15/20</a:t>
+              <a:t>9/19/20</a:t>
             </a:fld>
             <a:endParaRPr lang="en-US"/>
           </a:p>
@@ -2394,7 +2401,7 @@
           <a:p>
             <a:fld id="{415B9230-DE53-6948-AF76-4F549B40B5AC}" type="datetimeFigureOut">
               <a:rPr lang="en-US" smtClean="0"/>
-              <a:t>9/15/20</a:t>
+              <a:t>9/19/20</a:t>
             </a:fld>
             <a:endParaRPr lang="en-US"/>
           </a:p>
@@ -2507,7 +2514,7 @@
           <a:p>
             <a:fld id="{415B9230-DE53-6948-AF76-4F549B40B5AC}" type="datetimeFigureOut">
               <a:rPr lang="en-US" smtClean="0"/>
-              <a:t>9/15/20</a:t>
+              <a:t>9/19/20</a:t>
             </a:fld>
             <a:endParaRPr lang="en-US"/>
           </a:p>
@@ -2818,7 +2825,7 @@
           <a:p>
             <a:fld id="{415B9230-DE53-6948-AF76-4F549B40B5AC}" type="datetimeFigureOut">
               <a:rPr lang="en-US" smtClean="0"/>
-              <a:t>9/15/20</a:t>
+              <a:t>9/19/20</a:t>
             </a:fld>
             <a:endParaRPr lang="en-US"/>
           </a:p>
@@ -3106,7 +3113,7 @@
           <a:p>
             <a:fld id="{415B9230-DE53-6948-AF76-4F549B40B5AC}" type="datetimeFigureOut">
               <a:rPr lang="en-US" smtClean="0"/>
-              <a:t>9/15/20</a:t>
+              <a:t>9/19/20</a:t>
             </a:fld>
             <a:endParaRPr lang="en-US"/>
           </a:p>
@@ -3347,7 +3354,7 @@
           <a:p>
             <a:fld id="{415B9230-DE53-6948-AF76-4F549B40B5AC}" type="datetimeFigureOut">
               <a:rPr lang="en-US" smtClean="0"/>
-              <a:t>9/15/20</a:t>
+              <a:t>9/19/20</a:t>
             </a:fld>
             <a:endParaRPr lang="en-US"/>
           </a:p>
@@ -3849,6 +3856,89 @@
 </p:sld>
 </file>
 
+<file path=ppt/slides/slide10.xml><?xml version="1.0" encoding="utf-8"?>
+<p:sld xmlns:a="http://schemas.openxmlformats.org/drawingml/2006/main" xmlns:r="http://schemas.openxmlformats.org/officeDocument/2006/relationships" xmlns:p="http://schemas.openxmlformats.org/presentationml/2006/main">
+  <p:cSld>
+    <p:spTree>
+      <p:nvGrpSpPr>
+        <p:cNvPr id="1" name=""/>
+        <p:cNvGrpSpPr/>
+        <p:nvPr/>
+      </p:nvGrpSpPr>
+      <p:grpSpPr>
+        <a:xfrm>
+          <a:off x="0" y="0"/>
+          <a:ext cx="0" cy="0"/>
+          <a:chOff x="0" y="0"/>
+          <a:chExt cx="0" cy="0"/>
+        </a:xfrm>
+      </p:grpSpPr>
+      <p:sp>
+        <p:nvSpPr>
+          <p:cNvPr id="2" name="Title 1">
+            <a:extLst>
+              <a:ext uri="{FF2B5EF4-FFF2-40B4-BE49-F238E27FC236}">
+                <a16:creationId xmlns:a16="http://schemas.microsoft.com/office/drawing/2014/main" id="{BC930346-E73C-6443-8805-CC65567967B7}"/>
+              </a:ext>
+            </a:extLst>
+          </p:cNvPr>
+          <p:cNvSpPr>
+            <a:spLocks noGrp="1"/>
+          </p:cNvSpPr>
+          <p:nvPr>
+            <p:ph type="title"/>
+          </p:nvPr>
+        </p:nvSpPr>
+        <p:spPr/>
+        <p:txBody>
+          <a:bodyPr/>
+          <a:lstStyle/>
+          <a:p>
+            <a:r>
+              <a:rPr lang="en-US" dirty="0"/>
+              <a:t>Varying Lens Axial Length</a:t>
+            </a:r>
+          </a:p>
+        </p:txBody>
+      </p:sp>
+      <p:sp>
+        <p:nvSpPr>
+          <p:cNvPr id="3" name="Content Placeholder 2">
+            <a:extLst>
+              <a:ext uri="{FF2B5EF4-FFF2-40B4-BE49-F238E27FC236}">
+                <a16:creationId xmlns:a16="http://schemas.microsoft.com/office/drawing/2014/main" id="{67E7D810-A38F-B641-A70B-7A3611CD2085}"/>
+              </a:ext>
+            </a:extLst>
+          </p:cNvPr>
+          <p:cNvSpPr>
+            <a:spLocks noGrp="1"/>
+          </p:cNvSpPr>
+          <p:nvPr>
+            <p:ph idx="1"/>
+          </p:nvPr>
+        </p:nvSpPr>
+        <p:spPr/>
+        <p:txBody>
+          <a:bodyPr/>
+          <a:lstStyle/>
+          <a:p>
+            <a:endParaRPr lang="en-US"/>
+          </a:p>
+        </p:txBody>
+      </p:sp>
+    </p:spTree>
+    <p:extLst>
+      <p:ext uri="{BB962C8B-B14F-4D97-AF65-F5344CB8AC3E}">
+        <p14:creationId xmlns:p14="http://schemas.microsoft.com/office/powerpoint/2010/main" val="1935932988"/>
+      </p:ext>
+    </p:extLst>
+  </p:cSld>
+  <p:clrMapOvr>
+    <a:masterClrMapping/>
+  </p:clrMapOvr>
+</p:sld>
+</file>
+
 <file path=ppt/slides/slide2.xml><?xml version="1.0" encoding="utf-8"?>
 <p:sld xmlns:a="http://schemas.openxmlformats.org/drawingml/2006/main" xmlns:r="http://schemas.openxmlformats.org/officeDocument/2006/relationships" xmlns:p="http://schemas.openxmlformats.org/presentationml/2006/main">
   <p:cSld>
@@ -5175,22 +5265,17 @@
           <a:p>
             <a:r>
               <a:rPr lang="en-US" dirty="0"/>
-              <a:t>Two-Lens Scan in 2D: CaOCH</a:t>
-            </a:r>
-            <a:r>
-              <a:rPr lang="en-US" baseline="-25000" dirty="0"/>
-              <a:t>3</a:t>
-            </a:r>
-            <a:endParaRPr lang="en-US" dirty="0"/>
+              <a:t>Two-Lens Scan in 2D: CaOH</a:t>
+            </a:r>
           </a:p>
         </p:txBody>
       </p:sp>
       <p:pic>
         <p:nvPicPr>
-          <p:cNvPr id="6" name="Picture 5">
-            <a:extLst>
-              <a:ext uri="{FF2B5EF4-FFF2-40B4-BE49-F238E27FC236}">
-                <a16:creationId xmlns:a16="http://schemas.microsoft.com/office/drawing/2014/main" id="{69A6AEA6-832E-A14B-8FB0-4A38D6956177}"/>
+          <p:cNvPr id="3" name="Picture 2">
+            <a:extLst>
+              <a:ext uri="{FF2B5EF4-FFF2-40B4-BE49-F238E27FC236}">
+                <a16:creationId xmlns:a16="http://schemas.microsoft.com/office/drawing/2014/main" id="{4A6184E1-B092-3D45-8B88-94547B726631}"/>
               </a:ext>
             </a:extLst>
           </p:cNvPr>
@@ -5207,8 +5292,8 @@
         </p:blipFill>
         <p:spPr>
           <a:xfrm>
-            <a:off x="500744" y="1367971"/>
-            <a:ext cx="7434942" cy="5329091"/>
+            <a:off x="609538" y="1371373"/>
+            <a:ext cx="7362413" cy="5239249"/>
           </a:xfrm>
           <a:prstGeom prst="rect">
             <a:avLst/>
@@ -5217,10 +5302,10 @@
       </p:pic>
       <p:sp>
         <p:nvSpPr>
-          <p:cNvPr id="8" name="TextBox 7">
-            <a:extLst>
-              <a:ext uri="{FF2B5EF4-FFF2-40B4-BE49-F238E27FC236}">
-                <a16:creationId xmlns:a16="http://schemas.microsoft.com/office/drawing/2014/main" id="{F3782FA0-0C4A-F144-9106-57A10635A0BF}"/>
+          <p:cNvPr id="7" name="TextBox 6">
+            <a:extLst>
+              <a:ext uri="{FF2B5EF4-FFF2-40B4-BE49-F238E27FC236}">
+                <a16:creationId xmlns:a16="http://schemas.microsoft.com/office/drawing/2014/main" id="{BF02D344-A37E-1446-B63F-D2C2E6646733}"/>
               </a:ext>
             </a:extLst>
           </p:cNvPr>
@@ -5229,8 +5314,8 @@
         </p:nvSpPr>
         <p:spPr>
           <a:xfrm>
-            <a:off x="8273142" y="1371373"/>
-            <a:ext cx="3799115" cy="4832092"/>
+            <a:off x="8120741" y="1229896"/>
+            <a:ext cx="3951516" cy="5262979"/>
           </a:xfrm>
           <a:prstGeom prst="rect">
             <a:avLst/>
@@ -5249,7 +5334,7 @@
             </a:pPr>
             <a:r>
               <a:rPr lang="en-US" sz="2800" dirty="0"/>
-              <a:t>Number enhancement peaked when lenses are almost next to each other (hottest area is clustered around 15-25 cm)</a:t>
+              <a:t>Number enhancement peaked (11x) when lenses are quite near to each other (hottest area is clustered around 20-35 cm, branches to the right and left</a:t>
             </a:r>
           </a:p>
           <a:p>
@@ -5259,7 +5344,7 @@
             </a:pPr>
             <a:r>
               <a:rPr lang="en-US" sz="2800" dirty="0"/>
-              <a:t>Consistent with previous week’s results, suggesting placement of lens ~30 cm from cell aperture</a:t>
+              <a:t>Consistent with previous week’s results, suggesting placement of lens ~20-35 cm from cell aperture</a:t>
             </a:r>
           </a:p>
         </p:txBody>
@@ -5267,7 +5352,7 @@
     </p:spTree>
     <p:extLst>
       <p:ext uri="{BB962C8B-B14F-4D97-AF65-F5344CB8AC3E}">
-        <p14:creationId xmlns:p14="http://schemas.microsoft.com/office/powerpoint/2010/main" val="634738725"/>
+        <p14:creationId xmlns:p14="http://schemas.microsoft.com/office/powerpoint/2010/main" val="101264454"/>
       </p:ext>
     </p:extLst>
   </p:cSld>
@@ -5322,40 +5407,79 @@
           </a:p>
         </p:txBody>
       </p:sp>
-      <p:sp>
-        <p:nvSpPr>
-          <p:cNvPr id="5" name="Content Placeholder 2">
-            <a:extLst>
-              <a:ext uri="{FF2B5EF4-FFF2-40B4-BE49-F238E27FC236}">
-                <a16:creationId xmlns:a16="http://schemas.microsoft.com/office/drawing/2014/main" id="{A4B903C6-3EC5-B04A-A0CF-3FCE4DE2CF00}"/>
-              </a:ext>
-            </a:extLst>
-          </p:cNvPr>
-          <p:cNvSpPr>
-            <a:spLocks noGrp="1"/>
-          </p:cNvSpPr>
-          <p:nvPr>
-            <p:ph idx="1"/>
-          </p:nvPr>
-        </p:nvSpPr>
-        <p:spPr>
-          <a:xfrm>
-            <a:off x="838200" y="1825625"/>
-            <a:ext cx="10515600" cy="4351338"/>
-          </a:xfrm>
-        </p:spPr>
-        <p:txBody>
-          <a:bodyPr/>
-          <a:lstStyle/>
-          <a:p>
-            <a:endParaRPr lang="en-US" dirty="0"/>
+      <p:pic>
+        <p:nvPicPr>
+          <p:cNvPr id="5" name="Picture 4">
+            <a:extLst>
+              <a:ext uri="{FF2B5EF4-FFF2-40B4-BE49-F238E27FC236}">
+                <a16:creationId xmlns:a16="http://schemas.microsoft.com/office/drawing/2014/main" id="{C7B91771-92C9-4F46-AB49-1705310CD44D}"/>
+              </a:ext>
+            </a:extLst>
+          </p:cNvPr>
+          <p:cNvPicPr>
+            <a:picLocks noChangeAspect="1"/>
+          </p:cNvPicPr>
+          <p:nvPr/>
+        </p:nvPicPr>
+        <p:blipFill>
+          <a:blip r:embed="rId2"/>
+          <a:stretch>
+            <a:fillRect/>
+          </a:stretch>
+        </p:blipFill>
+        <p:spPr>
+          <a:xfrm>
+            <a:off x="1043214" y="1362982"/>
+            <a:ext cx="6839857" cy="5129893"/>
+          </a:xfrm>
+          <a:prstGeom prst="rect">
+            <a:avLst/>
+          </a:prstGeom>
+        </p:spPr>
+      </p:pic>
+      <p:sp>
+        <p:nvSpPr>
+          <p:cNvPr id="8" name="TextBox 7">
+            <a:extLst>
+              <a:ext uri="{FF2B5EF4-FFF2-40B4-BE49-F238E27FC236}">
+                <a16:creationId xmlns:a16="http://schemas.microsoft.com/office/drawing/2014/main" id="{81402AA9-EDE0-6F4E-843D-E3D6B8906216}"/>
+              </a:ext>
+            </a:extLst>
+          </p:cNvPr>
+          <p:cNvSpPr txBox="1"/>
+          <p:nvPr/>
+        </p:nvSpPr>
+        <p:spPr>
+          <a:xfrm>
+            <a:off x="7883071" y="2589100"/>
+            <a:ext cx="3951516" cy="2677656"/>
+          </a:xfrm>
+          <a:prstGeom prst="rect">
+            <a:avLst/>
+          </a:prstGeom>
+          <a:noFill/>
+        </p:spPr>
+        <p:txBody>
+          <a:bodyPr wrap="square" rtlCol="0">
+            <a:spAutoFit/>
+          </a:bodyPr>
+          <a:lstStyle/>
+          <a:p>
+            <a:pPr marL="285750" indent="-285750">
+              <a:buFont typeface="Arial" panose="020B0604020202020204" pitchFamily="34" charset="0"/>
+              <a:buChar char="•"/>
+            </a:pPr>
+            <a:r>
+              <a:rPr lang="en-US" sz="2800" dirty="0"/>
+              <a:t>Lensing effect enhanced when two lenses are used, focuses more strongly towards the MOT region (~1 cubic cm)</a:t>
+            </a:r>
           </a:p>
         </p:txBody>
       </p:sp>
     </p:spTree>
     <p:extLst>
       <p:ext uri="{BB962C8B-B14F-4D97-AF65-F5344CB8AC3E}">
-        <p14:creationId xmlns:p14="http://schemas.microsoft.com/office/powerpoint/2010/main" val="101264454"/>
+        <p14:creationId xmlns:p14="http://schemas.microsoft.com/office/powerpoint/2010/main" val="3628052041"/>
       </p:ext>
     </p:extLst>
   </p:cSld>
@@ -5387,7 +5511,7 @@
           <p:cNvPr id="2" name="Title 1">
             <a:extLst>
               <a:ext uri="{FF2B5EF4-FFF2-40B4-BE49-F238E27FC236}">
-                <a16:creationId xmlns:a16="http://schemas.microsoft.com/office/drawing/2014/main" id="{28E999C3-8E59-A945-8C14-C608DF9EBE93}"/>
+                <a16:creationId xmlns:a16="http://schemas.microsoft.com/office/drawing/2014/main" id="{32DCFDCC-3A00-494F-87A5-CA355494E695}"/>
               </a:ext>
             </a:extLst>
           </p:cNvPr>
@@ -5405,40 +5529,45 @@
           <a:p>
             <a:r>
               <a:rPr lang="en-US" dirty="0"/>
-              <a:t>Capturable Molecules</a:t>
-            </a:r>
-          </a:p>
-        </p:txBody>
-      </p:sp>
-      <p:sp>
-        <p:nvSpPr>
-          <p:cNvPr id="3" name="Content Placeholder 2">
-            <a:extLst>
-              <a:ext uri="{FF2B5EF4-FFF2-40B4-BE49-F238E27FC236}">
-                <a16:creationId xmlns:a16="http://schemas.microsoft.com/office/drawing/2014/main" id="{6C06D70D-D3EA-A24F-A8B3-2F4FB911BACA}"/>
-              </a:ext>
-            </a:extLst>
-          </p:cNvPr>
-          <p:cNvSpPr>
-            <a:spLocks noGrp="1"/>
-          </p:cNvSpPr>
-          <p:nvPr>
-            <p:ph idx="1"/>
-          </p:nvPr>
-        </p:nvSpPr>
-        <p:spPr/>
-        <p:txBody>
-          <a:bodyPr/>
-          <a:lstStyle/>
-          <a:p>
-            <a:endParaRPr lang="en-US" dirty="0"/>
-          </a:p>
-        </p:txBody>
-      </p:sp>
+              <a:t>Two-Lens Scan in 2D: CaOH</a:t>
+            </a:r>
+          </a:p>
+        </p:txBody>
+      </p:sp>
+      <p:pic>
+        <p:nvPicPr>
+          <p:cNvPr id="4" name="Picture 3">
+            <a:extLst>
+              <a:ext uri="{FF2B5EF4-FFF2-40B4-BE49-F238E27FC236}">
+                <a16:creationId xmlns:a16="http://schemas.microsoft.com/office/drawing/2014/main" id="{F5C1BD90-F2E6-EA49-B18C-25AD324BCD3C}"/>
+              </a:ext>
+            </a:extLst>
+          </p:cNvPr>
+          <p:cNvPicPr>
+            <a:picLocks noChangeAspect="1"/>
+          </p:cNvPicPr>
+          <p:nvPr/>
+        </p:nvPicPr>
+        <p:blipFill>
+          <a:blip r:embed="rId2"/>
+          <a:stretch>
+            <a:fillRect/>
+          </a:stretch>
+        </p:blipFill>
+        <p:spPr>
+          <a:xfrm>
+            <a:off x="2572657" y="1412420"/>
+            <a:ext cx="7046686" cy="5285015"/>
+          </a:xfrm>
+          <a:prstGeom prst="rect">
+            <a:avLst/>
+          </a:prstGeom>
+        </p:spPr>
+      </p:pic>
     </p:spTree>
     <p:extLst>
       <p:ext uri="{BB962C8B-B14F-4D97-AF65-F5344CB8AC3E}">
-        <p14:creationId xmlns:p14="http://schemas.microsoft.com/office/powerpoint/2010/main" val="3556360314"/>
+        <p14:creationId xmlns:p14="http://schemas.microsoft.com/office/powerpoint/2010/main" val="3181571923"/>
       </p:ext>
     </p:extLst>
   </p:cSld>
@@ -5470,7 +5599,7 @@
           <p:cNvPr id="2" name="Title 1">
             <a:extLst>
               <a:ext uri="{FF2B5EF4-FFF2-40B4-BE49-F238E27FC236}">
-                <a16:creationId xmlns:a16="http://schemas.microsoft.com/office/drawing/2014/main" id="{BC930346-E73C-6443-8805-CC65567967B7}"/>
+                <a16:creationId xmlns:a16="http://schemas.microsoft.com/office/drawing/2014/main" id="{32DCFDCC-3A00-494F-87A5-CA355494E695}"/>
               </a:ext>
             </a:extLst>
           </p:cNvPr>
@@ -5488,40 +5617,99 @@
           <a:p>
             <a:r>
               <a:rPr lang="en-US" dirty="0"/>
-              <a:t>Varying Lens Axial Length</a:t>
-            </a:r>
-          </a:p>
-        </p:txBody>
-      </p:sp>
-      <p:sp>
-        <p:nvSpPr>
-          <p:cNvPr id="3" name="Content Placeholder 2">
-            <a:extLst>
-              <a:ext uri="{FF2B5EF4-FFF2-40B4-BE49-F238E27FC236}">
-                <a16:creationId xmlns:a16="http://schemas.microsoft.com/office/drawing/2014/main" id="{67E7D810-A38F-B641-A70B-7A3611CD2085}"/>
-              </a:ext>
-            </a:extLst>
-          </p:cNvPr>
-          <p:cNvSpPr>
-            <a:spLocks noGrp="1"/>
-          </p:cNvSpPr>
-          <p:nvPr>
-            <p:ph idx="1"/>
-          </p:nvPr>
-        </p:nvSpPr>
-        <p:spPr/>
-        <p:txBody>
-          <a:bodyPr/>
-          <a:lstStyle/>
-          <a:p>
-            <a:endParaRPr lang="en-US"/>
+              <a:t>Two-Lens Scan in 2D: CaOCH</a:t>
+            </a:r>
+            <a:r>
+              <a:rPr lang="en-US" baseline="-25000" dirty="0"/>
+              <a:t>3</a:t>
+            </a:r>
+            <a:endParaRPr lang="en-US" dirty="0"/>
+          </a:p>
+        </p:txBody>
+      </p:sp>
+      <p:pic>
+        <p:nvPicPr>
+          <p:cNvPr id="6" name="Picture 5">
+            <a:extLst>
+              <a:ext uri="{FF2B5EF4-FFF2-40B4-BE49-F238E27FC236}">
+                <a16:creationId xmlns:a16="http://schemas.microsoft.com/office/drawing/2014/main" id="{69A6AEA6-832E-A14B-8FB0-4A38D6956177}"/>
+              </a:ext>
+            </a:extLst>
+          </p:cNvPr>
+          <p:cNvPicPr>
+            <a:picLocks noChangeAspect="1"/>
+          </p:cNvPicPr>
+          <p:nvPr/>
+        </p:nvPicPr>
+        <p:blipFill>
+          <a:blip r:embed="rId2"/>
+          <a:stretch>
+            <a:fillRect/>
+          </a:stretch>
+        </p:blipFill>
+        <p:spPr>
+          <a:xfrm>
+            <a:off x="4136572" y="1358731"/>
+            <a:ext cx="7434942" cy="5329091"/>
+          </a:xfrm>
+          <a:prstGeom prst="rect">
+            <a:avLst/>
+          </a:prstGeom>
+        </p:spPr>
+      </p:pic>
+      <p:sp>
+        <p:nvSpPr>
+          <p:cNvPr id="8" name="TextBox 7">
+            <a:extLst>
+              <a:ext uri="{FF2B5EF4-FFF2-40B4-BE49-F238E27FC236}">
+                <a16:creationId xmlns:a16="http://schemas.microsoft.com/office/drawing/2014/main" id="{F3782FA0-0C4A-F144-9106-57A10635A0BF}"/>
+              </a:ext>
+            </a:extLst>
+          </p:cNvPr>
+          <p:cNvSpPr txBox="1"/>
+          <p:nvPr/>
+        </p:nvSpPr>
+        <p:spPr>
+          <a:xfrm>
+            <a:off x="152399" y="1424843"/>
+            <a:ext cx="4136571" cy="4832092"/>
+          </a:xfrm>
+          <a:prstGeom prst="rect">
+            <a:avLst/>
+          </a:prstGeom>
+          <a:noFill/>
+        </p:spPr>
+        <p:txBody>
+          <a:bodyPr wrap="square" rtlCol="0">
+            <a:spAutoFit/>
+          </a:bodyPr>
+          <a:lstStyle/>
+          <a:p>
+            <a:pPr marL="285750" indent="-285750">
+              <a:buFont typeface="Arial" panose="020B0604020202020204" pitchFamily="34" charset="0"/>
+              <a:buChar char="•"/>
+            </a:pPr>
+            <a:r>
+              <a:rPr lang="en-US" sz="2800" dirty="0"/>
+              <a:t>Similarly, number enhancement maximized when lenses are quite near each other (hottest area is clustered around 25-35 cm)</a:t>
+            </a:r>
+          </a:p>
+          <a:p>
+            <a:pPr marL="285750" indent="-285750">
+              <a:buFont typeface="Arial" panose="020B0604020202020204" pitchFamily="34" charset="0"/>
+              <a:buChar char="•"/>
+            </a:pPr>
+            <a:r>
+              <a:rPr lang="en-US" sz="2800" dirty="0"/>
+              <a:t>Consistent with previous week’s results, suggesting placement of lens ~25-30 cm from the cell aperture</a:t>
+            </a:r>
           </a:p>
         </p:txBody>
       </p:sp>
     </p:spTree>
     <p:extLst>
       <p:ext uri="{BB962C8B-B14F-4D97-AF65-F5344CB8AC3E}">
-        <p14:creationId xmlns:p14="http://schemas.microsoft.com/office/powerpoint/2010/main" val="1935932988"/>
+        <p14:creationId xmlns:p14="http://schemas.microsoft.com/office/powerpoint/2010/main" val="634738725"/>
       </p:ext>
     </p:extLst>
   </p:cSld>
@@ -5553,7 +5741,7 @@
           <p:cNvPr id="2" name="Title 1">
             <a:extLst>
               <a:ext uri="{FF2B5EF4-FFF2-40B4-BE49-F238E27FC236}">
-                <a16:creationId xmlns:a16="http://schemas.microsoft.com/office/drawing/2014/main" id="{7C9F8FC8-3A34-AC45-AE8F-DE884FD8A3B3}"/>
+                <a16:creationId xmlns:a16="http://schemas.microsoft.com/office/drawing/2014/main" id="{28E999C3-8E59-A945-8C14-C608DF9EBE93}"/>
               </a:ext>
             </a:extLst>
           </p:cNvPr>
@@ -5571,56 +5759,17 @@
           <a:p>
             <a:r>
               <a:rPr lang="en-US" dirty="0"/>
-              <a:t>Laser Slowing: Preliminary Results</a:t>
-            </a:r>
-          </a:p>
-        </p:txBody>
-      </p:sp>
-      <p:sp>
-        <p:nvSpPr>
-          <p:cNvPr id="6" name="TextBox 5">
-            <a:extLst>
-              <a:ext uri="{FF2B5EF4-FFF2-40B4-BE49-F238E27FC236}">
-                <a16:creationId xmlns:a16="http://schemas.microsoft.com/office/drawing/2014/main" id="{ECC8F855-6A0A-5C4E-B2B6-ED6ABF85AC85}"/>
-              </a:ext>
-            </a:extLst>
-          </p:cNvPr>
-          <p:cNvSpPr txBox="1"/>
-          <p:nvPr/>
-        </p:nvSpPr>
-        <p:spPr>
-          <a:xfrm>
-            <a:off x="319769" y="1542725"/>
-            <a:ext cx="3280682" cy="3108543"/>
-          </a:xfrm>
-          <a:prstGeom prst="rect">
-            <a:avLst/>
-          </a:prstGeom>
-          <a:noFill/>
-        </p:spPr>
-        <p:txBody>
-          <a:bodyPr wrap="square" rtlCol="0">
-            <a:spAutoFit/>
-          </a:bodyPr>
-          <a:lstStyle/>
-          <a:p>
-            <a:pPr marL="285750" indent="-285750">
-              <a:buFont typeface="Arial" panose="020B0604020202020204" pitchFamily="34" charset="0"/>
-              <a:buChar char="•"/>
-            </a:pPr>
-            <a:r>
-              <a:rPr lang="en-US" sz="2800" dirty="0"/>
-              <a:t>See evidence of turning inwards; the trajectories actually reverse direction in the magnet and are funneled inwards</a:t>
+              <a:t>Capturable Molecules</a:t>
             </a:r>
           </a:p>
         </p:txBody>
       </p:sp>
       <p:pic>
         <p:nvPicPr>
-          <p:cNvPr id="7" name="Picture 6" descr="A close up of a map&#10;&#10;Description automatically generated">
-            <a:extLst>
-              <a:ext uri="{FF2B5EF4-FFF2-40B4-BE49-F238E27FC236}">
-                <a16:creationId xmlns:a16="http://schemas.microsoft.com/office/drawing/2014/main" id="{02BAEFCA-F620-EF40-8DED-F57A69A90607}"/>
+          <p:cNvPr id="5" name="Picture 4">
+            <a:extLst>
+              <a:ext uri="{FF2B5EF4-FFF2-40B4-BE49-F238E27FC236}">
+                <a16:creationId xmlns:a16="http://schemas.microsoft.com/office/drawing/2014/main" id="{CFCAA4D2-0018-E24A-90B6-E1795DDED238}"/>
               </a:ext>
             </a:extLst>
           </p:cNvPr>
@@ -5637,8 +5786,38 @@
         </p:blipFill>
         <p:spPr>
           <a:xfrm>
-            <a:off x="3600451" y="1362473"/>
-            <a:ext cx="7011987" cy="5258990"/>
+            <a:off x="272143" y="1970636"/>
+            <a:ext cx="6738257" cy="4159953"/>
+          </a:xfrm>
+          <a:prstGeom prst="rect">
+            <a:avLst/>
+          </a:prstGeom>
+        </p:spPr>
+      </p:pic>
+      <p:pic>
+        <p:nvPicPr>
+          <p:cNvPr id="7" name="Picture 6">
+            <a:extLst>
+              <a:ext uri="{FF2B5EF4-FFF2-40B4-BE49-F238E27FC236}">
+                <a16:creationId xmlns:a16="http://schemas.microsoft.com/office/drawing/2014/main" id="{A47B93BB-73DE-794E-9509-57B136A0D20B}"/>
+              </a:ext>
+            </a:extLst>
+          </p:cNvPr>
+          <p:cNvPicPr>
+            <a:picLocks noChangeAspect="1"/>
+          </p:cNvPicPr>
+          <p:nvPr/>
+        </p:nvPicPr>
+        <p:blipFill>
+          <a:blip r:embed="rId3"/>
+          <a:stretch>
+            <a:fillRect/>
+          </a:stretch>
+        </p:blipFill>
+        <p:spPr>
+          <a:xfrm>
+            <a:off x="5900297" y="2108478"/>
+            <a:ext cx="6291703" cy="3884267"/>
           </a:xfrm>
           <a:prstGeom prst="rect">
             <a:avLst/>
@@ -5648,7 +5827,7 @@
     </p:spTree>
     <p:extLst>
       <p:ext uri="{BB962C8B-B14F-4D97-AF65-F5344CB8AC3E}">
-        <p14:creationId xmlns:p14="http://schemas.microsoft.com/office/powerpoint/2010/main" val="1920144063"/>
+        <p14:creationId xmlns:p14="http://schemas.microsoft.com/office/powerpoint/2010/main" val="3556360314"/>
       </p:ext>
     </p:extLst>
   </p:cSld>
@@ -5703,12 +5882,51 @@
           </a:p>
         </p:txBody>
       </p:sp>
+      <p:sp>
+        <p:nvSpPr>
+          <p:cNvPr id="6" name="TextBox 5">
+            <a:extLst>
+              <a:ext uri="{FF2B5EF4-FFF2-40B4-BE49-F238E27FC236}">
+                <a16:creationId xmlns:a16="http://schemas.microsoft.com/office/drawing/2014/main" id="{ECC8F855-6A0A-5C4E-B2B6-ED6ABF85AC85}"/>
+              </a:ext>
+            </a:extLst>
+          </p:cNvPr>
+          <p:cNvSpPr txBox="1"/>
+          <p:nvPr/>
+        </p:nvSpPr>
+        <p:spPr>
+          <a:xfrm>
+            <a:off x="319769" y="1542725"/>
+            <a:ext cx="3280682" cy="3970318"/>
+          </a:xfrm>
+          <a:prstGeom prst="rect">
+            <a:avLst/>
+          </a:prstGeom>
+          <a:noFill/>
+        </p:spPr>
+        <p:txBody>
+          <a:bodyPr wrap="square" rtlCol="0">
+            <a:spAutoFit/>
+          </a:bodyPr>
+          <a:lstStyle/>
+          <a:p>
+            <a:pPr marL="285750" indent="-285750">
+              <a:buFont typeface="Arial" panose="020B0604020202020204" pitchFamily="34" charset="0"/>
+              <a:buChar char="•"/>
+            </a:pPr>
+            <a:r>
+              <a:rPr lang="en-US" sz="2800" dirty="0"/>
+              <a:t>See evidence of turning inwards; the trajectories actually reverse direction in the magnet and are funneled inwards, compounding the focusing effect</a:t>
+            </a:r>
+          </a:p>
+        </p:txBody>
+      </p:sp>
       <p:pic>
         <p:nvPicPr>
-          <p:cNvPr id="5" name="Picture 4">
-            <a:extLst>
-              <a:ext uri="{FF2B5EF4-FFF2-40B4-BE49-F238E27FC236}">
-                <a16:creationId xmlns:a16="http://schemas.microsoft.com/office/drawing/2014/main" id="{0B4D99B2-8734-1041-B936-A2BF16C85CE5}"/>
+          <p:cNvPr id="7" name="Picture 6" descr="A close up of a map&#10;&#10;Description automatically generated">
+            <a:extLst>
+              <a:ext uri="{FF2B5EF4-FFF2-40B4-BE49-F238E27FC236}">
+                <a16:creationId xmlns:a16="http://schemas.microsoft.com/office/drawing/2014/main" id="{02BAEFCA-F620-EF40-8DED-F57A69A90607}"/>
               </a:ext>
             </a:extLst>
           </p:cNvPr>
@@ -5725,6 +5943,94 @@
         </p:blipFill>
         <p:spPr>
           <a:xfrm>
+            <a:off x="3600451" y="1362473"/>
+            <a:ext cx="7011987" cy="5258990"/>
+          </a:xfrm>
+          <a:prstGeom prst="rect">
+            <a:avLst/>
+          </a:prstGeom>
+        </p:spPr>
+      </p:pic>
+    </p:spTree>
+    <p:extLst>
+      <p:ext uri="{BB962C8B-B14F-4D97-AF65-F5344CB8AC3E}">
+        <p14:creationId xmlns:p14="http://schemas.microsoft.com/office/powerpoint/2010/main" val="1920144063"/>
+      </p:ext>
+    </p:extLst>
+  </p:cSld>
+  <p:clrMapOvr>
+    <a:masterClrMapping/>
+  </p:clrMapOvr>
+</p:sld>
+</file>
+
+<file path=ppt/slides/slide9.xml><?xml version="1.0" encoding="utf-8"?>
+<p:sld xmlns:a="http://schemas.openxmlformats.org/drawingml/2006/main" xmlns:r="http://schemas.openxmlformats.org/officeDocument/2006/relationships" xmlns:p="http://schemas.openxmlformats.org/presentationml/2006/main">
+  <p:cSld>
+    <p:spTree>
+      <p:nvGrpSpPr>
+        <p:cNvPr id="1" name=""/>
+        <p:cNvGrpSpPr/>
+        <p:nvPr/>
+      </p:nvGrpSpPr>
+      <p:grpSpPr>
+        <a:xfrm>
+          <a:off x="0" y="0"/>
+          <a:ext cx="0" cy="0"/>
+          <a:chOff x="0" y="0"/>
+          <a:chExt cx="0" cy="0"/>
+        </a:xfrm>
+      </p:grpSpPr>
+      <p:sp>
+        <p:nvSpPr>
+          <p:cNvPr id="2" name="Title 1">
+            <a:extLst>
+              <a:ext uri="{FF2B5EF4-FFF2-40B4-BE49-F238E27FC236}">
+                <a16:creationId xmlns:a16="http://schemas.microsoft.com/office/drawing/2014/main" id="{7C9F8FC8-3A34-AC45-AE8F-DE884FD8A3B3}"/>
+              </a:ext>
+            </a:extLst>
+          </p:cNvPr>
+          <p:cNvSpPr>
+            <a:spLocks noGrp="1"/>
+          </p:cNvSpPr>
+          <p:nvPr>
+            <p:ph type="title"/>
+          </p:nvPr>
+        </p:nvSpPr>
+        <p:spPr/>
+        <p:txBody>
+          <a:bodyPr/>
+          <a:lstStyle/>
+          <a:p>
+            <a:r>
+              <a:rPr lang="en-US" dirty="0"/>
+              <a:t>Laser Slowing: Preliminary Results</a:t>
+            </a:r>
+          </a:p>
+        </p:txBody>
+      </p:sp>
+      <p:pic>
+        <p:nvPicPr>
+          <p:cNvPr id="5" name="Picture 4">
+            <a:extLst>
+              <a:ext uri="{FF2B5EF4-FFF2-40B4-BE49-F238E27FC236}">
+                <a16:creationId xmlns:a16="http://schemas.microsoft.com/office/drawing/2014/main" id="{0B4D99B2-8734-1041-B936-A2BF16C85CE5}"/>
+              </a:ext>
+            </a:extLst>
+          </p:cNvPr>
+          <p:cNvPicPr>
+            <a:picLocks noChangeAspect="1"/>
+          </p:cNvPicPr>
+          <p:nvPr/>
+        </p:nvPicPr>
+        <p:blipFill>
+          <a:blip r:embed="rId2"/>
+          <a:stretch>
+            <a:fillRect/>
+          </a:stretch>
+        </p:blipFill>
+        <p:spPr>
+          <a:xfrm>
             <a:off x="3600450" y="1424668"/>
             <a:ext cx="7753350" cy="5068207"/>
           </a:xfrm>
@@ -5777,7 +6083,7 @@
             </a:pPr>
             <a:r>
               <a:rPr lang="en-US" sz="2800" dirty="0"/>
-              <a:t>Preliminary; ran with only 1e2 molecules, no spatial distribution (runtime)</a:t>
+              <a:t>Preliminary; ran with only 1e2 molecules, no spatial distribution (runtime issues)</a:t>
             </a:r>
           </a:p>
         </p:txBody>
